--- a/ppt/IoT12-HTTP.pptx
+++ b/ppt/IoT12-HTTP.pptx
@@ -5,20 +5,21 @@
     <p:sldMasterId id="2147483653" r:id="rId1"/>
   </p:sldMasterIdLst>
   <p:notesMasterIdLst>
-    <p:notesMasterId r:id="rId10"/>
+    <p:notesMasterId r:id="rId11"/>
   </p:notesMasterIdLst>
   <p:handoutMasterIdLst>
-    <p:handoutMasterId r:id="rId11"/>
+    <p:handoutMasterId r:id="rId12"/>
   </p:handoutMasterIdLst>
   <p:sldIdLst>
     <p:sldId id="264" r:id="rId2"/>
-    <p:sldId id="266" r:id="rId3"/>
-    <p:sldId id="267" r:id="rId4"/>
-    <p:sldId id="268" r:id="rId5"/>
-    <p:sldId id="269" r:id="rId6"/>
-    <p:sldId id="270" r:id="rId7"/>
-    <p:sldId id="271" r:id="rId8"/>
-    <p:sldId id="272" r:id="rId9"/>
+    <p:sldId id="273" r:id="rId3"/>
+    <p:sldId id="266" r:id="rId4"/>
+    <p:sldId id="267" r:id="rId5"/>
+    <p:sldId id="268" r:id="rId6"/>
+    <p:sldId id="269" r:id="rId7"/>
+    <p:sldId id="270" r:id="rId8"/>
+    <p:sldId id="271" r:id="rId9"/>
+    <p:sldId id="272" r:id="rId10"/>
   </p:sldIdLst>
   <p:sldSz cx="9144000" cy="6858000" type="screen4x3"/>
   <p:notesSz cx="6648450" cy="9782175"/>
@@ -3873,7 +3874,7 @@
           <a:p>
             <a:r>
               <a:rPr lang="fr-FR" dirty="0"/>
-              <a:t>Web</a:t>
+              <a:t>Ethernet</a:t>
             </a:r>
           </a:p>
         </p:txBody>
@@ -3895,6 +3896,251 @@
           <a:p>
             <a:r>
               <a:rPr lang="fr-FR" dirty="0"/>
+              <a:t>La liaison Ethernet ne fonctionne que sous </a:t>
+            </a:r>
+            <a:r>
+              <a:rPr lang="fr-FR" dirty="0" err="1"/>
+              <a:t>Raspberry</a:t>
+            </a:r>
+            <a:r>
+              <a:rPr lang="fr-FR" dirty="0"/>
+              <a:t> Pi &gt;= 1</a:t>
+            </a:r>
+          </a:p>
+          <a:p>
+            <a:r>
+              <a:rPr lang="fr-FR" dirty="0"/>
+              <a:t>Nécessite une infrastructure IP</a:t>
+            </a:r>
+          </a:p>
+          <a:p>
+            <a:pPr lvl="1"/>
+            <a:r>
+              <a:rPr lang="fr-FR" dirty="0"/>
+              <a:t>Routeur</a:t>
+            </a:r>
+          </a:p>
+          <a:p>
+            <a:r>
+              <a:rPr lang="fr-FR" dirty="0"/>
+              <a:t>Communication possible alors via </a:t>
+            </a:r>
+            <a:r>
+              <a:rPr lang="fr-FR" dirty="0" err="1"/>
+              <a:t>Flask</a:t>
+            </a:r>
+            <a:endParaRPr lang="fr-FR" dirty="0"/>
+          </a:p>
+          <a:p>
+            <a:r>
+              <a:rPr lang="fr-FR" dirty="0"/>
+              <a:t>Sous </a:t>
+            </a:r>
+            <a:r>
+              <a:rPr lang="fr-FR" dirty="0" err="1"/>
+              <a:t>Arduino</a:t>
+            </a:r>
+            <a:r>
+              <a:rPr lang="fr-FR" dirty="0"/>
+              <a:t> un </a:t>
+            </a:r>
+            <a:r>
+              <a:rPr lang="fr-FR" dirty="0" err="1"/>
+              <a:t>Shield</a:t>
+            </a:r>
+            <a:r>
+              <a:rPr lang="fr-FR" dirty="0"/>
+              <a:t> est nécessaire ainsi que la librairie Ethernet</a:t>
+            </a:r>
+          </a:p>
+          <a:p>
+            <a:pPr lvl="1"/>
+            <a:r>
+              <a:rPr lang="fr-FR" dirty="0"/>
+              <a:t>Assez complexe</a:t>
+            </a:r>
+          </a:p>
+          <a:p>
+            <a:endParaRPr lang="fr-FR" dirty="0"/>
+          </a:p>
+          <a:p>
+            <a:endParaRPr lang="fr-FR" dirty="0"/>
+          </a:p>
+        </p:txBody>
+      </p:sp>
+      <p:sp>
+        <p:nvSpPr>
+          <p:cNvPr id="4" name="Rectangle 2"/>
+          <p:cNvSpPr>
+            <a:spLocks noChangeArrowheads="1"/>
+          </p:cNvSpPr>
+          <p:nvPr/>
+        </p:nvSpPr>
+        <p:spPr bwMode="auto">
+          <a:xfrm>
+            <a:off x="0" y="0"/>
+            <a:ext cx="9144000" cy="0"/>
+          </a:xfrm>
+          <a:prstGeom prst="rect">
+            <a:avLst/>
+          </a:prstGeom>
+          <a:noFill/>
+          <a:ln>
+            <a:noFill/>
+          </a:ln>
+          <a:effectLst/>
+          <a:extLst>
+            <a:ext uri="{909E8E84-426E-40DD-AFC4-6F175D3DCCD1}">
+              <a14:hiddenFill xmlns:a14="http://schemas.microsoft.com/office/drawing/2010/main">
+                <a:solidFill>
+                  <a:schemeClr val="accent1"/>
+                </a:solidFill>
+              </a14:hiddenFill>
+            </a:ext>
+            <a:ext uri="{91240B29-F687-4F45-9708-019B960494DF}">
+              <a14:hiddenLine xmlns:a14="http://schemas.microsoft.com/office/drawing/2010/main" w="9525">
+                <a:solidFill>
+                  <a:schemeClr val="tx1"/>
+                </a:solidFill>
+                <a:miter lim="800000"/>
+                <a:headEnd/>
+                <a:tailEnd/>
+              </a14:hiddenLine>
+            </a:ext>
+            <a:ext uri="{AF507438-7753-43E0-B8FC-AC1667EBCBE1}">
+              <a14:hiddenEffects xmlns:a14="http://schemas.microsoft.com/office/drawing/2010/main">
+                <a:effectLst>
+                  <a:outerShdw dist="35921" dir="2700000" algn="ctr" rotWithShape="0">
+                    <a:schemeClr val="bg2"/>
+                  </a:outerShdw>
+                </a:effectLst>
+              </a14:hiddenEffects>
+            </a:ext>
+          </a:extLst>
+        </p:spPr>
+        <p:txBody>
+          <a:bodyPr vert="horz" wrap="none" lIns="91440" tIns="45720" rIns="91440" bIns="45720" numCol="1" anchor="ctr" anchorCtr="0" compatLnSpc="1">
+            <a:prstTxWarp prst="textNoShape">
+              <a:avLst/>
+            </a:prstTxWarp>
+            <a:spAutoFit/>
+          </a:bodyPr>
+          <a:lstStyle/>
+          <a:p>
+            <a:endParaRPr lang="fr-FR"/>
+          </a:p>
+        </p:txBody>
+      </p:sp>
+      <p:pic>
+        <p:nvPicPr>
+          <p:cNvPr id="1041" name="Picture 17" descr="Résultat de recherche d'images pour &quot;arduino ethernet&quot;"/>
+          <p:cNvPicPr>
+            <a:picLocks noChangeAspect="1" noChangeArrowheads="1"/>
+          </p:cNvPicPr>
+          <p:nvPr/>
+        </p:nvPicPr>
+        <p:blipFill>
+          <a:blip r:embed="rId2">
+            <a:extLst>
+              <a:ext uri="{28A0092B-C50C-407E-A947-70E740481C1C}">
+                <a14:useLocalDpi xmlns:a14="http://schemas.microsoft.com/office/drawing/2010/main" val="0"/>
+              </a:ext>
+            </a:extLst>
+          </a:blip>
+          <a:srcRect/>
+          <a:stretch>
+            <a:fillRect/>
+          </a:stretch>
+        </p:blipFill>
+        <p:spPr bwMode="auto">
+          <a:xfrm>
+            <a:off x="6386742" y="4365104"/>
+            <a:ext cx="2760241" cy="2760241"/>
+          </a:xfrm>
+          <a:prstGeom prst="rect">
+            <a:avLst/>
+          </a:prstGeom>
+          <a:noFill/>
+          <a:extLst>
+            <a:ext uri="{909E8E84-426E-40DD-AFC4-6F175D3DCCD1}">
+              <a14:hiddenFill xmlns:a14="http://schemas.microsoft.com/office/drawing/2010/main">
+                <a:solidFill>
+                  <a:srgbClr val="FFFFFF"/>
+                </a:solidFill>
+              </a14:hiddenFill>
+            </a:ext>
+          </a:extLst>
+        </p:spPr>
+      </p:pic>
+    </p:spTree>
+    <p:extLst>
+      <p:ext uri="{BB962C8B-B14F-4D97-AF65-F5344CB8AC3E}">
+        <p14:creationId xmlns:p14="http://schemas.microsoft.com/office/powerpoint/2010/main" val="3953937335"/>
+      </p:ext>
+    </p:extLst>
+  </p:cSld>
+  <p:clrMapOvr>
+    <a:masterClrMapping/>
+  </p:clrMapOvr>
+</p:sld>
+</file>
+
+<file path=ppt/slides/slide3.xml><?xml version="1.0" encoding="utf-8"?>
+<p:sld xmlns:a="http://schemas.openxmlformats.org/drawingml/2006/main" xmlns:r="http://schemas.openxmlformats.org/officeDocument/2006/relationships" xmlns:p="http://schemas.openxmlformats.org/presentationml/2006/main">
+  <p:cSld>
+    <p:spTree>
+      <p:nvGrpSpPr>
+        <p:cNvPr id="1" name=""/>
+        <p:cNvGrpSpPr/>
+        <p:nvPr/>
+      </p:nvGrpSpPr>
+      <p:grpSpPr>
+        <a:xfrm>
+          <a:off x="0" y="0"/>
+          <a:ext cx="0" cy="0"/>
+          <a:chOff x="0" y="0"/>
+          <a:chExt cx="0" cy="0"/>
+        </a:xfrm>
+      </p:grpSpPr>
+      <p:sp>
+        <p:nvSpPr>
+          <p:cNvPr id="2" name="Titre 1"/>
+          <p:cNvSpPr>
+            <a:spLocks noGrp="1"/>
+          </p:cNvSpPr>
+          <p:nvPr>
+            <p:ph type="title"/>
+          </p:nvPr>
+        </p:nvSpPr>
+        <p:spPr/>
+        <p:txBody>
+          <a:bodyPr/>
+          <a:lstStyle/>
+          <a:p>
+            <a:r>
+              <a:rPr lang="fr-FR" dirty="0"/>
+              <a:t>Web</a:t>
+            </a:r>
+          </a:p>
+        </p:txBody>
+      </p:sp>
+      <p:sp>
+        <p:nvSpPr>
+          <p:cNvPr id="3" name="Espace réservé du contenu 2"/>
+          <p:cNvSpPr>
+            <a:spLocks noGrp="1"/>
+          </p:cNvSpPr>
+          <p:nvPr>
+            <p:ph idx="1"/>
+          </p:nvPr>
+        </p:nvSpPr>
+        <p:spPr/>
+        <p:txBody>
+          <a:bodyPr/>
+          <a:lstStyle/>
+          <a:p>
+            <a:r>
+              <a:rPr lang="fr-FR" dirty="0"/>
               <a:t>WWW</a:t>
             </a:r>
           </a:p>
@@ -3946,7 +4192,7 @@
 </p:sld>
 </file>
 
-<file path=ppt/slides/slide3.xml><?xml version="1.0" encoding="utf-8"?>
+<file path=ppt/slides/slide4.xml><?xml version="1.0" encoding="utf-8"?>
 <p:sld xmlns:a="http://schemas.openxmlformats.org/drawingml/2006/main" xmlns:r="http://schemas.openxmlformats.org/officeDocument/2006/relationships" xmlns:p="http://schemas.openxmlformats.org/presentationml/2006/main">
   <p:cSld>
     <p:spTree>
@@ -4110,7 +4356,7 @@
 </p:sld>
 </file>
 
-<file path=ppt/slides/slide4.xml><?xml version="1.0" encoding="utf-8"?>
+<file path=ppt/slides/slide5.xml><?xml version="1.0" encoding="utf-8"?>
 <p:sld xmlns:a="http://schemas.openxmlformats.org/drawingml/2006/main" xmlns:r="http://schemas.openxmlformats.org/officeDocument/2006/relationships" xmlns:p="http://schemas.openxmlformats.org/presentationml/2006/main">
   <p:cSld>
     <p:spTree>
@@ -4200,7 +4446,7 @@
 </p:sld>
 </file>
 
-<file path=ppt/slides/slide5.xml><?xml version="1.0" encoding="utf-8"?>
+<file path=ppt/slides/slide6.xml><?xml version="1.0" encoding="utf-8"?>
 <p:sld xmlns:a="http://schemas.openxmlformats.org/drawingml/2006/main" xmlns:r="http://schemas.openxmlformats.org/officeDocument/2006/relationships" xmlns:p="http://schemas.openxmlformats.org/presentationml/2006/main">
   <p:cSld>
     <p:spTree>
@@ -4322,7 +4568,7 @@
 </p:sld>
 </file>
 
-<file path=ppt/slides/slide6.xml><?xml version="1.0" encoding="utf-8"?>
+<file path=ppt/slides/slide7.xml><?xml version="1.0" encoding="utf-8"?>
 <p:sld xmlns:a="http://schemas.openxmlformats.org/drawingml/2006/main" xmlns:r="http://schemas.openxmlformats.org/officeDocument/2006/relationships" xmlns:p="http://schemas.openxmlformats.org/presentationml/2006/main">
   <p:cSld>
     <p:spTree>
@@ -4433,7 +4679,7 @@
 </p:sld>
 </file>
 
-<file path=ppt/slides/slide7.xml><?xml version="1.0" encoding="utf-8"?>
+<file path=ppt/slides/slide8.xml><?xml version="1.0" encoding="utf-8"?>
 <p:sld xmlns:a="http://schemas.openxmlformats.org/drawingml/2006/main" xmlns:r="http://schemas.openxmlformats.org/officeDocument/2006/relationships" xmlns:p="http://schemas.openxmlformats.org/presentationml/2006/main">
   <p:cSld>
     <p:spTree>
@@ -4560,7 +4806,7 @@
 </p:sld>
 </file>
 
-<file path=ppt/slides/slide8.xml><?xml version="1.0" encoding="utf-8"?>
+<file path=ppt/slides/slide9.xml><?xml version="1.0" encoding="utf-8"?>
 <p:sld xmlns:a="http://schemas.openxmlformats.org/drawingml/2006/main" xmlns:r="http://schemas.openxmlformats.org/officeDocument/2006/relationships" xmlns:p="http://schemas.openxmlformats.org/presentationml/2006/main">
   <p:cSld>
     <p:spTree>
